--- a/firestone_sammantha_midterm.pptx
+++ b/firestone_sammantha_midterm.pptx
@@ -15321,6 +15321,72 @@
           </a:prstGeom>
         </p:spPr>
       </p:pic>
+      <p:sp>
+        <p:nvSpPr>
+          <p:cNvPr id="2" name="TextBox 1">
+            <a:extLst>
+              <a:ext uri="{FF2B5EF4-FFF2-40B4-BE49-F238E27FC236}">
+                <a16:creationId xmlns:a16="http://schemas.microsoft.com/office/drawing/2014/main" id="{A2123A30-ACF3-38CF-D395-F906A3003DEF}"/>
+              </a:ext>
+            </a:extLst>
+          </p:cNvPr>
+          <p:cNvSpPr txBox="1"/>
+          <p:nvPr/>
+        </p:nvSpPr>
+        <p:spPr>
+          <a:xfrm>
+            <a:off x="711929" y="6081885"/>
+            <a:ext cx="8637104" cy="523220"/>
+          </a:xfrm>
+          <a:prstGeom prst="rect">
+            <a:avLst/>
+          </a:prstGeom>
+          <a:ln w="19050">
+            <a:solidFill>
+              <a:schemeClr val="accent1"/>
+            </a:solidFill>
+          </a:ln>
+        </p:spPr>
+        <p:style>
+          <a:lnRef idx="2">
+            <a:schemeClr val="dk1"/>
+          </a:lnRef>
+          <a:fillRef idx="1">
+            <a:schemeClr val="lt1"/>
+          </a:fillRef>
+          <a:effectRef idx="0">
+            <a:schemeClr val="dk1"/>
+          </a:effectRef>
+          <a:fontRef idx="minor">
+            <a:schemeClr val="dk1"/>
+          </a:fontRef>
+        </p:style>
+        <p:txBody>
+          <a:bodyPr wrap="square" rtlCol="0">
+            <a:spAutoFit/>
+          </a:bodyPr>
+          <a:lstStyle/>
+          <a:p>
+            <a:pPr algn="ctr"/>
+            <a:r>
+              <a:rPr lang="en-US" sz="2800" dirty="0">
+                <a:solidFill>
+                  <a:schemeClr val="accent1"/>
+                </a:solidFill>
+                <a:effectLst>
+                  <a:outerShdw blurRad="38100" dist="38100" dir="2700000" algn="tl">
+                    <a:srgbClr val="000000">
+                      <a:alpha val="43137"/>
+                    </a:srgbClr>
+                  </a:outerShdw>
+                </a:effectLst>
+                <a:latin typeface="Futura Md BT" panose="020B0602020204020303"/>
+              </a:rPr>
+              <a:t>This sign was misclassified for the Basic CNN!</a:t>
+            </a:r>
+          </a:p>
+        </p:txBody>
+      </p:sp>
     </p:spTree>
     <p:extLst>
       <p:ext uri="{BB962C8B-B14F-4D97-AF65-F5344CB8AC3E}">
